--- a/dgcq/ppt.pptx
+++ b/dgcq/ppt.pptx
@@ -5362,7 +5362,7 @@
           <a:p>
             <a:r>
               <a:rPr lang="en-US" altLang="zh-TW" sz="3600" dirty="0"/>
-              <a:t>Title</a:t>
+              <a:t>Parasitic Effects on Dual-Granularity Quantization System</a:t>
             </a:r>
             <a:endParaRPr lang="zh-TW" altLang="en-US" sz="3600" dirty="0"/>
           </a:p>
@@ -6255,6 +6255,96 @@
           </a:extLst>
         </p:spPr>
       </p:cxnSp>
+      <p:cxnSp>
+        <p:nvCxnSpPr>
+          <p:cNvPr id="6" name="直線單箭頭接點 5">
+            <a:extLst>
+              <a:ext uri="{FF2B5EF4-FFF2-40B4-BE49-F238E27FC236}">
+                <a16:creationId xmlns:a16="http://schemas.microsoft.com/office/drawing/2014/main" id="{469002C2-6184-C5F1-2A19-5FE53E37D328}"/>
+              </a:ext>
+            </a:extLst>
+          </p:cNvPr>
+          <p:cNvCxnSpPr/>
+          <p:nvPr/>
+        </p:nvCxnSpPr>
+        <p:spPr bwMode="auto">
+          <a:xfrm flipV="1">
+            <a:off x="2450920" y="3789040"/>
+            <a:ext cx="1990080" cy="432048"/>
+          </a:xfrm>
+          <a:prstGeom prst="straightConnector1">
+            <a:avLst/>
+          </a:prstGeom>
+          <a:solidFill>
+            <a:schemeClr val="accent1"/>
+          </a:solidFill>
+          <a:ln w="28575" cap="flat" cmpd="sng" algn="ctr">
+            <a:solidFill>
+              <a:schemeClr val="tx1"/>
+            </a:solidFill>
+            <a:prstDash val="solid"/>
+            <a:round/>
+            <a:headEnd type="none" w="med" len="med"/>
+            <a:tailEnd type="triangle"/>
+          </a:ln>
+          <a:effectLst/>
+          <a:extLst>
+            <a:ext uri="{AF507438-7753-43E0-B8FC-AC1667EBCBE1}">
+              <a14:hiddenEffects xmlns:a14="http://schemas.microsoft.com/office/drawing/2010/main">
+                <a:effectLst>
+                  <a:outerShdw dist="35921" dir="2700000" algn="ctr" rotWithShape="0">
+                    <a:schemeClr val="bg2"/>
+                  </a:outerShdw>
+                </a:effectLst>
+              </a14:hiddenEffects>
+            </a:ext>
+          </a:extLst>
+        </p:spPr>
+      </p:cxnSp>
+      <p:sp>
+        <p:nvSpPr>
+          <p:cNvPr id="7" name="文字方塊 6">
+            <a:extLst>
+              <a:ext uri="{FF2B5EF4-FFF2-40B4-BE49-F238E27FC236}">
+                <a16:creationId xmlns:a16="http://schemas.microsoft.com/office/drawing/2014/main" id="{E3A3A7FA-97DD-F76F-EE8B-EBDFE233367A}"/>
+              </a:ext>
+            </a:extLst>
+          </p:cNvPr>
+          <p:cNvSpPr txBox="1"/>
+          <p:nvPr/>
+        </p:nvSpPr>
+        <p:spPr>
+          <a:xfrm>
+            <a:off x="2915816" y="3596635"/>
+            <a:ext cx="703381" cy="307777"/>
+          </a:xfrm>
+          <a:prstGeom prst="rect">
+            <a:avLst/>
+          </a:prstGeom>
+          <a:solidFill>
+            <a:schemeClr val="bg1"/>
+          </a:solidFill>
+          <a:ln w="19050">
+            <a:solidFill>
+              <a:schemeClr val="tx1"/>
+            </a:solidFill>
+          </a:ln>
+        </p:spPr>
+        <p:txBody>
+          <a:bodyPr wrap="square">
+            <a:spAutoFit/>
+          </a:bodyPr>
+          <a:lstStyle/>
+          <a:p>
+            <a:pPr algn="ctr"/>
+            <a:r>
+              <a:rPr lang="en-US" altLang="zh-TW" sz="1400" b="0" dirty="0"/>
+              <a:t>1.14x</a:t>
+            </a:r>
+            <a:endParaRPr lang="zh-TW" altLang="en-US" sz="1400" b="0" dirty="0"/>
+          </a:p>
+        </p:txBody>
+      </p:sp>
     </p:spTree>
     <p:extLst>
       <p:ext uri="{BB962C8B-B14F-4D97-AF65-F5344CB8AC3E}">
@@ -8003,7 +8093,7 @@
         </p:blipFill>
         <p:spPr>
           <a:xfrm>
-            <a:off x="6910656" y="3487192"/>
+            <a:off x="5902773" y="2379084"/>
             <a:ext cx="2232248" cy="2965996"/>
           </a:xfrm>
           <a:prstGeom prst="rect">
@@ -8637,6 +8727,52 @@
           </a:prstGeom>
         </p:spPr>
       </p:pic>
+      <p:cxnSp>
+        <p:nvCxnSpPr>
+          <p:cNvPr id="10" name="直線單箭頭接點 9">
+            <a:extLst>
+              <a:ext uri="{FF2B5EF4-FFF2-40B4-BE49-F238E27FC236}">
+                <a16:creationId xmlns:a16="http://schemas.microsoft.com/office/drawing/2014/main" id="{27233DF1-E782-A2A3-7776-B89C5DBCBD30}"/>
+              </a:ext>
+            </a:extLst>
+          </p:cNvPr>
+          <p:cNvCxnSpPr/>
+          <p:nvPr/>
+        </p:nvCxnSpPr>
+        <p:spPr bwMode="auto">
+          <a:xfrm flipH="1" flipV="1">
+            <a:off x="1907704" y="5229200"/>
+            <a:ext cx="1864564" cy="1080120"/>
+          </a:xfrm>
+          <a:prstGeom prst="straightConnector1">
+            <a:avLst/>
+          </a:prstGeom>
+          <a:solidFill>
+            <a:schemeClr val="accent1"/>
+          </a:solidFill>
+          <a:ln w="28575" cap="flat" cmpd="sng" algn="ctr">
+            <a:solidFill>
+              <a:schemeClr val="tx1"/>
+            </a:solidFill>
+            <a:prstDash val="solid"/>
+            <a:round/>
+            <a:headEnd type="none" w="med" len="med"/>
+            <a:tailEnd type="triangle"/>
+          </a:ln>
+          <a:effectLst/>
+          <a:extLst>
+            <a:ext uri="{AF507438-7753-43E0-B8FC-AC1667EBCBE1}">
+              <a14:hiddenEffects xmlns:a14="http://schemas.microsoft.com/office/drawing/2010/main">
+                <a:effectLst>
+                  <a:outerShdw dist="35921" dir="2700000" algn="ctr" rotWithShape="0">
+                    <a:schemeClr val="bg2"/>
+                  </a:outerShdw>
+                </a:effectLst>
+              </a14:hiddenEffects>
+            </a:ext>
+          </a:extLst>
+        </p:spPr>
+      </p:cxnSp>
     </p:spTree>
     <p:extLst>
       <p:ext uri="{BB962C8B-B14F-4D97-AF65-F5344CB8AC3E}">
@@ -8853,7 +8989,7 @@
         <p:spPr>
           <a:xfrm>
             <a:off x="1255869" y="5373216"/>
-            <a:ext cx="6632262" cy="369332"/>
+            <a:ext cx="6632262" cy="646331"/>
           </a:xfrm>
           <a:prstGeom prst="rect">
             <a:avLst/>
@@ -8869,12 +9005,58 @@
             <a:pPr algn="ctr"/>
             <a:r>
               <a:rPr lang="en-US" altLang="zh-TW" b="0" dirty="0"/>
-              <a:t>Bit precision can reach 11 bit in lossless situation</a:t>
+              <a:t>Bit precision can reach 12 bit in most situation (lossless)</a:t>
             </a:r>
             <a:endParaRPr lang="zh-TW" altLang="en-US" b="0" dirty="0"/>
           </a:p>
         </p:txBody>
       </p:sp>
+      <p:cxnSp>
+        <p:nvCxnSpPr>
+          <p:cNvPr id="6" name="直線接點 5">
+            <a:extLst>
+              <a:ext uri="{FF2B5EF4-FFF2-40B4-BE49-F238E27FC236}">
+                <a16:creationId xmlns:a16="http://schemas.microsoft.com/office/drawing/2014/main" id="{ADFF1179-D88A-3DA0-06CF-0A6B40860151}"/>
+              </a:ext>
+            </a:extLst>
+          </p:cNvPr>
+          <p:cNvCxnSpPr/>
+          <p:nvPr/>
+        </p:nvCxnSpPr>
+        <p:spPr bwMode="auto">
+          <a:xfrm>
+            <a:off x="7740352" y="2492896"/>
+            <a:ext cx="0" cy="2664296"/>
+          </a:xfrm>
+          <a:prstGeom prst="line">
+            <a:avLst/>
+          </a:prstGeom>
+          <a:solidFill>
+            <a:schemeClr val="accent1"/>
+          </a:solidFill>
+          <a:ln w="28575" cap="flat" cmpd="sng" algn="ctr">
+            <a:solidFill>
+              <a:srgbClr val="FF0000"/>
+            </a:solidFill>
+            <a:prstDash val="dash"/>
+            <a:round/>
+            <a:headEnd type="none" w="med" len="med"/>
+            <a:tailEnd type="none" w="med" len="med"/>
+          </a:ln>
+          <a:effectLst/>
+          <a:extLst>
+            <a:ext uri="{AF507438-7753-43E0-B8FC-AC1667EBCBE1}">
+              <a14:hiddenEffects xmlns:a14="http://schemas.microsoft.com/office/drawing/2010/main">
+                <a:effectLst>
+                  <a:outerShdw dist="35921" dir="2700000" algn="ctr" rotWithShape="0">
+                    <a:schemeClr val="bg2"/>
+                  </a:outerShdw>
+                </a:effectLst>
+              </a14:hiddenEffects>
+            </a:ext>
+          </a:extLst>
+        </p:spPr>
+      </p:cxnSp>
     </p:spTree>
     <p:extLst>
       <p:ext uri="{BB962C8B-B14F-4D97-AF65-F5344CB8AC3E}">
@@ -9501,6 +9683,92 @@
           </p:txBody>
         </p:sp>
       </p:grpSp>
+      <p:sp>
+        <p:nvSpPr>
+          <p:cNvPr id="11" name="文字方塊 10">
+            <a:extLst>
+              <a:ext uri="{FF2B5EF4-FFF2-40B4-BE49-F238E27FC236}">
+                <a16:creationId xmlns:a16="http://schemas.microsoft.com/office/drawing/2014/main" id="{081F06E8-ABDB-C3AD-6BFD-6A4985FE093B}"/>
+              </a:ext>
+            </a:extLst>
+          </p:cNvPr>
+          <p:cNvSpPr txBox="1"/>
+          <p:nvPr/>
+        </p:nvSpPr>
+        <p:spPr>
+          <a:xfrm>
+            <a:off x="738264" y="6027696"/>
+            <a:ext cx="1410214" cy="338554"/>
+          </a:xfrm>
+          <a:prstGeom prst="rect">
+            <a:avLst/>
+          </a:prstGeom>
+          <a:solidFill>
+            <a:schemeClr val="bg1"/>
+          </a:solidFill>
+          <a:ln w="19050">
+            <a:solidFill>
+              <a:schemeClr val="tx1"/>
+            </a:solidFill>
+          </a:ln>
+        </p:spPr>
+        <p:txBody>
+          <a:bodyPr wrap="square">
+            <a:spAutoFit/>
+          </a:bodyPr>
+          <a:lstStyle/>
+          <a:p>
+            <a:r>
+              <a:rPr lang="en-US" altLang="zh-TW" sz="1600" b="0" dirty="0"/>
+              <a:t>Exponential</a:t>
+            </a:r>
+            <a:endParaRPr lang="zh-TW" altLang="en-US" sz="1600" b="0" dirty="0"/>
+          </a:p>
+        </p:txBody>
+      </p:sp>
+      <p:sp>
+        <p:nvSpPr>
+          <p:cNvPr id="13" name="文字方塊 12">
+            <a:extLst>
+              <a:ext uri="{FF2B5EF4-FFF2-40B4-BE49-F238E27FC236}">
+                <a16:creationId xmlns:a16="http://schemas.microsoft.com/office/drawing/2014/main" id="{4DC19768-B41A-24CC-0449-B87A1612E1C2}"/>
+              </a:ext>
+            </a:extLst>
+          </p:cNvPr>
+          <p:cNvSpPr txBox="1"/>
+          <p:nvPr/>
+        </p:nvSpPr>
+        <p:spPr>
+          <a:xfrm>
+            <a:off x="5170417" y="6010459"/>
+            <a:ext cx="841743" cy="338554"/>
+          </a:xfrm>
+          <a:prstGeom prst="rect">
+            <a:avLst/>
+          </a:prstGeom>
+          <a:solidFill>
+            <a:schemeClr val="bg1"/>
+          </a:solidFill>
+          <a:ln w="19050">
+            <a:solidFill>
+              <a:schemeClr val="tx1"/>
+            </a:solidFill>
+          </a:ln>
+        </p:spPr>
+        <p:txBody>
+          <a:bodyPr wrap="square">
+            <a:spAutoFit/>
+          </a:bodyPr>
+          <a:lstStyle/>
+          <a:p>
+            <a:r>
+              <a:rPr lang="en-US" altLang="zh-TW" sz="1600" b="0" dirty="0"/>
+              <a:t>Linear</a:t>
+            </a:r>
+            <a:endParaRPr lang="zh-TW" altLang="en-US" sz="1600" b="0" dirty="0"/>
+          </a:p>
+        </p:txBody>
+      </p:sp>
     </p:spTree>
     <p:extLst>
       <p:ext uri="{BB962C8B-B14F-4D97-AF65-F5344CB8AC3E}">
@@ -9659,10 +9927,10 @@
         </p:nvGrpSpPr>
         <p:grpSpPr>
           <a:xfrm>
-            <a:off x="2186939" y="2852936"/>
-            <a:ext cx="4770121" cy="3968109"/>
-            <a:chOff x="2186939" y="2852936"/>
-            <a:chExt cx="4770121" cy="3968109"/>
+            <a:off x="1280644" y="2852936"/>
+            <a:ext cx="5676416" cy="3968109"/>
+            <a:chOff x="1280644" y="2852936"/>
+            <a:chExt cx="5676416" cy="3968109"/>
           </a:xfrm>
         </p:grpSpPr>
         <p:pic>
@@ -9761,7 +10029,7 @@
           </p:nvSpPr>
           <p:spPr>
             <a:xfrm>
-              <a:off x="2915816" y="5661248"/>
+              <a:off x="1280644" y="6107391"/>
               <a:ext cx="897843" cy="369332"/>
             </a:xfrm>
             <a:prstGeom prst="rect">
@@ -9791,6 +10059,54 @@
           </p:txBody>
         </p:sp>
       </p:grpSp>
+      <p:cxnSp>
+        <p:nvCxnSpPr>
+          <p:cNvPr id="6" name="直線單箭頭接點 5">
+            <a:extLst>
+              <a:ext uri="{FF2B5EF4-FFF2-40B4-BE49-F238E27FC236}">
+                <a16:creationId xmlns:a16="http://schemas.microsoft.com/office/drawing/2014/main" id="{B5E47C28-30AF-16DF-BFF2-9D99A4C1A97B}"/>
+              </a:ext>
+            </a:extLst>
+          </p:cNvPr>
+          <p:cNvCxnSpPr>
+            <a:stCxn id="26" idx="3"/>
+          </p:cNvCxnSpPr>
+          <p:nvPr/>
+        </p:nvCxnSpPr>
+        <p:spPr bwMode="auto">
+          <a:xfrm>
+            <a:off x="2178487" y="6292057"/>
+            <a:ext cx="449297" cy="17263"/>
+          </a:xfrm>
+          <a:prstGeom prst="straightConnector1">
+            <a:avLst/>
+          </a:prstGeom>
+          <a:solidFill>
+            <a:schemeClr val="accent1"/>
+          </a:solidFill>
+          <a:ln w="28575" cap="flat" cmpd="sng" algn="ctr">
+            <a:solidFill>
+              <a:schemeClr val="tx1"/>
+            </a:solidFill>
+            <a:prstDash val="solid"/>
+            <a:round/>
+            <a:headEnd type="none" w="med" len="med"/>
+            <a:tailEnd type="triangle"/>
+          </a:ln>
+          <a:effectLst/>
+          <a:extLst>
+            <a:ext uri="{AF507438-7753-43E0-B8FC-AC1667EBCBE1}">
+              <a14:hiddenEffects xmlns:a14="http://schemas.microsoft.com/office/drawing/2010/main">
+                <a:effectLst>
+                  <a:outerShdw dist="35921" dir="2700000" algn="ctr" rotWithShape="0">
+                    <a:schemeClr val="bg2"/>
+                  </a:outerShdw>
+                </a:effectLst>
+              </a14:hiddenEffects>
+            </a:ext>
+          </a:extLst>
+        </p:spPr>
+      </p:cxnSp>
     </p:spTree>
     <p:extLst>
       <p:ext uri="{BB962C8B-B14F-4D97-AF65-F5344CB8AC3E}">
@@ -9844,7 +10160,7 @@
           <a:p>
             <a:r>
               <a:rPr lang="en-US" altLang="zh-TW" dirty="0"/>
-              <a:t>Effect of DGCQ</a:t>
+              <a:t>Effect of DGCQ (Lossy Case)</a:t>
             </a:r>
             <a:endParaRPr lang="zh-TW" altLang="en-US" dirty="0"/>
           </a:p>
@@ -10308,15 +10624,7 @@
             <a:pPr lvl="2"/>
             <a:r>
               <a:rPr lang="en-US" altLang="zh-TW" dirty="0"/>
-              <a:t>Trained using </a:t>
-            </a:r>
-            <a:r>
-              <a:rPr lang="en-US" altLang="zh-TW" dirty="0" err="1"/>
-              <a:t>fp</a:t>
-            </a:r>
-            <a:r>
-              <a:rPr lang="en-US" altLang="zh-TW" dirty="0"/>
-              <a:t> precision</a:t>
+              <a:t>Trained using fp32 precision</a:t>
             </a:r>
           </a:p>
           <a:p>

--- a/dgcq/ppt.pptx
+++ b/dgcq/ppt.pptx
@@ -5352,8 +5352,8 @@
         </p:nvSpPr>
         <p:spPr>
           <a:xfrm>
-            <a:off x="457200" y="685800"/>
-            <a:ext cx="8229600" cy="2127250"/>
+            <a:off x="35496" y="685800"/>
+            <a:ext cx="9073008" cy="2127250"/>
           </a:xfrm>
         </p:spPr>
         <p:txBody>
@@ -5361,10 +5361,22 @@
           <a:lstStyle/>
           <a:p>
             <a:r>
-              <a:rPr lang="en-US" altLang="zh-TW" sz="3600" dirty="0"/>
-              <a:t>Parasitic Effects on Dual-Granularity Quantization System</a:t>
-            </a:r>
-            <a:endParaRPr lang="zh-TW" altLang="en-US" sz="3600" dirty="0"/>
+              <a:rPr lang="en-US" altLang="zh-TW" sz="4000" dirty="0"/>
+              <a:t>Parasitic Effects on Dual-Granularity Cooperative Quantization </a:t>
+            </a:r>
+            <a:r>
+              <a:rPr lang="en-US" altLang="zh-TW" sz="3200" dirty="0"/>
+              <a:t>(DGCQ)</a:t>
+            </a:r>
+            <a:r>
+              <a:rPr lang="zh-TW" altLang="en-US" sz="3200" dirty="0"/>
+              <a:t> </a:t>
+            </a:r>
+            <a:r>
+              <a:rPr lang="en-US" altLang="zh-TW" sz="4000" dirty="0"/>
+              <a:t>System</a:t>
+            </a:r>
+            <a:endParaRPr lang="zh-TW" altLang="en-US" sz="4000" dirty="0"/>
           </a:p>
         </p:txBody>
       </p:sp>
@@ -8121,8 +8133,8 @@
             <a:chExt cx="4008202" cy="1291486"/>
           </a:xfrm>
         </p:grpSpPr>
-        <mc:AlternateContent xmlns:mc="http://schemas.openxmlformats.org/markup-compatibility/2006" xmlns:a14="http://schemas.microsoft.com/office/drawing/2010/main">
-          <mc:Choice Requires="a14">
+        <mc:AlternateContent xmlns:mc="http://schemas.openxmlformats.org/markup-compatibility/2006">
+          <mc:Choice xmlns:a14="http://schemas.microsoft.com/office/drawing/2010/main" Requires="a14">
             <p:sp>
               <p:nvSpPr>
                 <p:cNvPr id="8" name="文字方塊 7">
@@ -8153,7 +8165,7 @@
                 <a:p>
                   <a:r>
                     <a:rPr lang="en-US" altLang="zh-TW" sz="1600" b="0" dirty="0"/>
-                    <a:t>After 16 iteration, </a:t>
+                    <a:t>After 8 iteration, </a:t>
                   </a:r>
                   <a14:m>
                     <m:oMath xmlns:m="http://schemas.openxmlformats.org/officeDocument/2006/math">
@@ -8270,7 +8282,7 @@
               </p:txBody>
             </p:sp>
           </mc:Choice>
-          <mc:Fallback xmlns="">
+          <mc:Fallback>
             <p:sp>
               <p:nvSpPr>
                 <p:cNvPr id="8" name="文字方塊 7">
@@ -8736,13 +8748,15 @@
               </a:ext>
             </a:extLst>
           </p:cNvPr>
-          <p:cNvCxnSpPr/>
+          <p:cNvCxnSpPr>
+            <a:stCxn id="7" idx="1"/>
+          </p:cNvCxnSpPr>
           <p:nvPr/>
         </p:nvCxnSpPr>
         <p:spPr bwMode="auto">
           <a:xfrm flipH="1" flipV="1">
             <a:off x="1907704" y="5229200"/>
-            <a:ext cx="1864564" cy="1080120"/>
+            <a:ext cx="1964650" cy="1053622"/>
           </a:xfrm>
           <a:prstGeom prst="straightConnector1">
             <a:avLst/>
@@ -8773,6 +8787,76 @@
           </a:extLst>
         </p:spPr>
       </p:cxnSp>
+      <p:sp>
+        <p:nvSpPr>
+          <p:cNvPr id="7" name="橢圓 6">
+            <a:extLst>
+              <a:ext uri="{FF2B5EF4-FFF2-40B4-BE49-F238E27FC236}">
+                <a16:creationId xmlns:a16="http://schemas.microsoft.com/office/drawing/2014/main" id="{3A76D554-7617-610D-403B-75608060BAF5}"/>
+              </a:ext>
+            </a:extLst>
+          </p:cNvPr>
+          <p:cNvSpPr/>
+          <p:nvPr/>
+        </p:nvSpPr>
+        <p:spPr bwMode="auto">
+          <a:xfrm>
+            <a:off x="3830173" y="6242841"/>
+            <a:ext cx="288032" cy="273008"/>
+          </a:xfrm>
+          <a:prstGeom prst="ellipse">
+            <a:avLst/>
+          </a:prstGeom>
+          <a:noFill/>
+          <a:ln w="38100" cap="flat" cmpd="sng" algn="ctr">
+            <a:solidFill>
+              <a:srgbClr val="FF0000"/>
+            </a:solidFill>
+            <a:prstDash val="solid"/>
+            <a:round/>
+            <a:headEnd type="none" w="med" len="med"/>
+            <a:tailEnd type="none" w="med" len="med"/>
+          </a:ln>
+          <a:effectLst/>
+        </p:spPr>
+        <p:txBody>
+          <a:bodyPr vert="horz" wrap="square" lIns="91440" tIns="45720" rIns="91440" bIns="45720" numCol="1" rtlCol="0" anchor="t" anchorCtr="0" compatLnSpc="1">
+            <a:prstTxWarp prst="textNoShape">
+              <a:avLst/>
+            </a:prstTxWarp>
+          </a:bodyPr>
+          <a:lstStyle/>
+          <a:p>
+            <a:pPr marL="0" marR="0" indent="0" algn="l" defTabSz="914400" rtl="0" eaLnBrk="1" fontAlgn="base" latinLnBrk="0" hangingPunct="1">
+              <a:lnSpc>
+                <a:spcPct val="100000"/>
+              </a:lnSpc>
+              <a:spcBef>
+                <a:spcPct val="0"/>
+              </a:spcBef>
+              <a:spcAft>
+                <a:spcPct val="0"/>
+              </a:spcAft>
+              <a:buClrTx/>
+              <a:buSzTx/>
+              <a:buFontTx/>
+              <a:buNone/>
+              <a:tabLst/>
+            </a:pPr>
+            <a:endParaRPr kumimoji="1" lang="zh-TW" altLang="en-US" sz="1800" b="1" i="0" u="none" strike="noStrike" cap="none" normalizeH="0" baseline="0">
+              <a:ln>
+                <a:noFill/>
+              </a:ln>
+              <a:solidFill>
+                <a:schemeClr val="tx1"/>
+              </a:solidFill>
+              <a:effectLst/>
+              <a:latin typeface="Verdana" panose="020B0604030504040204" pitchFamily="34" charset="0"/>
+              <a:ea typeface="新細明體" panose="02020500000000000000" pitchFamily="18" charset="-120"/>
+            </a:endParaRPr>
+          </a:p>
+        </p:txBody>
+      </p:sp>
     </p:spTree>
     <p:extLst>
       <p:ext uri="{BB962C8B-B14F-4D97-AF65-F5344CB8AC3E}">
